--- a/templates/elegant_purple.pptx
+++ b/templates/elegant_purple.pptx
@@ -5,10 +5,9 @@
     <p:sldMasterId id="2147483660" r:id="rId1"/>
   </p:sldMasterIdLst>
   <p:sldIdLst>
-    <p:sldId id="256" r:id="rId2"/>
-    <p:sldId id="257" r:id="rId3"/>
-    <p:sldId id="258" r:id="rId4"/>
-    <p:sldId id="259" r:id="rId5"/>
+    <p:sldId id="257" r:id="rId2"/>
+    <p:sldId id="258" r:id="rId3"/>
+    <p:sldId id="259" r:id="rId4"/>
   </p:sldIdLst>
   <p:sldSz cx="9144000" cy="5143500" type="screen16x9"/>
   <p:notesSz cx="6858000" cy="9144000"/>
@@ -179,6 +178,13 @@
             <a:schemeClr val="lt1"/>
           </a:fontRef>
         </p:style>
+        <p:txBody>
+          <a:bodyPr/>
+          <a:lstStyle/>
+          <a:p>
+            <a:endParaRPr lang="es-MX"/>
+          </a:p>
+        </p:txBody>
       </p:sp>
       <p:sp>
         <p:nvSpPr>
@@ -1229,6 +1235,13 @@
             <a:schemeClr val="lt1"/>
           </a:fontRef>
         </p:style>
+        <p:txBody>
+          <a:bodyPr/>
+          <a:lstStyle/>
+          <a:p>
+            <a:endParaRPr lang="es-MX"/>
+          </a:p>
+        </p:txBody>
       </p:sp>
       <p:sp>
         <p:nvSpPr>
@@ -1254,14 +1267,14 @@
             <a:lvl1pPr algn="l">
               <a:defRPr sz="2700" b="0" cap="all">
                 <a:solidFill>
-                  <a:schemeClr val="accent1"/>
+                  <a:schemeClr val="bg1"/>
                 </a:solidFill>
               </a:defRPr>
             </a:lvl1pPr>
           </a:lstStyle>
           <a:p>
             <a:r>
-              <a:rPr lang="es-MX"/>
+              <a:rPr lang="es-MX" dirty="0"/>
               <a:t>Haz clic para modificar el estilo de título del patrón</a:t>
             </a:r>
             <a:endParaRPr lang="en-US" dirty="0"/>
@@ -1293,7 +1306,7 @@
               <a:buNone/>
               <a:defRPr sz="1350" cap="all">
                 <a:solidFill>
-                  <a:schemeClr val="accent2"/>
+                  <a:schemeClr val="bg1"/>
                 </a:solidFill>
               </a:defRPr>
             </a:lvl1pPr>
@@ -1404,10 +1417,7 @@
             <a:lvl1pPr>
               <a:defRPr>
                 <a:solidFill>
-                  <a:schemeClr val="accent1">
-                    <a:lumMod val="75000"/>
-                    <a:lumOff val="25000"/>
-                  </a:schemeClr>
+                  <a:schemeClr val="bg1"/>
                 </a:solidFill>
               </a:defRPr>
             </a:lvl1pPr>
@@ -1415,6 +1425,7 @@
           <a:p>
             <a:fld id="{241EB5C9-1307-BA42-ABA2-0BC069CD8E7F}" type="datetimeFigureOut">
               <a:rPr lang="en-US" smtClean="0"/>
+              <a:pPr/>
               <a:t>11/6/2025</a:t>
             </a:fld>
             <a:endParaRPr lang="en-US"/>
@@ -1438,16 +1449,17 @@
             <a:lvl1pPr>
               <a:defRPr>
                 <a:solidFill>
-                  <a:schemeClr val="accent1">
-                    <a:lumMod val="75000"/>
-                    <a:lumOff val="25000"/>
-                  </a:schemeClr>
+                  <a:schemeClr val="bg1"/>
                 </a:solidFill>
               </a:defRPr>
             </a:lvl1pPr>
           </a:lstStyle>
           <a:p>
-            <a:endParaRPr lang="en-US"/>
+            <a:endParaRPr lang="en-US">
+              <a:solidFill>
+                <a:schemeClr val="bg1"/>
+              </a:solidFill>
+            </a:endParaRPr>
           </a:p>
         </p:txBody>
       </p:sp>
@@ -1468,10 +1480,7 @@
             <a:lvl1pPr>
               <a:defRPr>
                 <a:solidFill>
-                  <a:schemeClr val="accent1">
-                    <a:lumMod val="75000"/>
-                    <a:lumOff val="25000"/>
-                  </a:schemeClr>
+                  <a:schemeClr val="bg1"/>
                 </a:solidFill>
               </a:defRPr>
             </a:lvl1pPr>
@@ -1479,6 +1488,7 @@
           <a:p>
             <a:fld id="{C5EF2332-01BF-834F-8236-50238282D533}" type="slidenum">
               <a:rPr lang="en-US" smtClean="0"/>
+              <a:pPr/>
               <a:t>‹Nº›</a:t>
             </a:fld>
             <a:endParaRPr lang="en-US"/>
@@ -3128,9 +3138,12 @@
 <p:sldMaster xmlns:a="http://schemas.openxmlformats.org/drawingml/2006/main" xmlns:r="http://schemas.openxmlformats.org/officeDocument/2006/relationships" xmlns:p="http://schemas.openxmlformats.org/presentationml/2006/main">
   <p:cSld>
     <p:bg>
-      <p:bgRef idx="1001">
-        <a:schemeClr val="bg1"/>
-      </p:bgRef>
+      <p:bgPr>
+        <a:solidFill>
+          <a:schemeClr val="accent1"/>
+        </a:solidFill>
+        <a:effectLst/>
+      </p:bgPr>
     </p:bg>
     <p:spTree>
       <p:nvGrpSpPr>
@@ -3390,6 +3403,13 @@
             <a:schemeClr val="lt1"/>
           </a:fontRef>
         </p:style>
+        <p:txBody>
+          <a:bodyPr/>
+          <a:lstStyle/>
+          <a:p>
+            <a:endParaRPr lang="es-MX"/>
+          </a:p>
+        </p:txBody>
       </p:sp>
       <p:sp>
         <p:nvSpPr>
@@ -3427,6 +3447,13 @@
             <a:schemeClr val="lt1"/>
           </a:fontRef>
         </p:style>
+        <p:txBody>
+          <a:bodyPr/>
+          <a:lstStyle/>
+          <a:p>
+            <a:endParaRPr lang="es-MX"/>
+          </a:p>
+        </p:txBody>
       </p:sp>
       <p:sp>
         <p:nvSpPr>
@@ -3464,6 +3491,13 @@
             <a:schemeClr val="lt1"/>
           </a:fontRef>
         </p:style>
+        <p:txBody>
+          <a:bodyPr/>
+          <a:lstStyle/>
+          <a:p>
+            <a:endParaRPr lang="es-MX"/>
+          </a:p>
+        </p:txBody>
       </p:sp>
     </p:spTree>
     <p:extLst>
@@ -3861,14 +3895,6 @@
 <file path=ppt/slides/slide1.xml><?xml version="1.0" encoding="utf-8"?>
 <p:sld xmlns:a="http://schemas.openxmlformats.org/drawingml/2006/main" xmlns:r="http://schemas.openxmlformats.org/officeDocument/2006/relationships" xmlns:p="http://schemas.openxmlformats.org/presentationml/2006/main">
   <p:cSld>
-    <p:bg>
-      <p:bgPr>
-        <a:solidFill>
-          <a:schemeClr val="bg1"/>
-        </a:solidFill>
-        <a:effectLst/>
-      </p:bgPr>
-    </p:bg>
     <p:spTree>
       <p:nvGrpSpPr>
         <p:cNvPr id="1" name=""/>
@@ -3883,251 +3909,6 @@
           <a:chExt cx="0" cy="0"/>
         </a:xfrm>
       </p:grpSpPr>
-      <p:sp useBgFill="1">
-        <p:nvSpPr>
-          <p:cNvPr id="9" name="Rectangle 8">
-            <a:extLst>
-              <a:ext uri="{FF2B5EF4-FFF2-40B4-BE49-F238E27FC236}">
-                <a16:creationId xmlns:a16="http://schemas.microsoft.com/office/drawing/2014/main" id="{F34F34AF-75E7-4149-A3CF-2E483C744F92}"/>
-              </a:ext>
-              <a:ext uri="{C183D7F6-B498-43B3-948B-1728B52AA6E4}">
-                <adec:decorative xmlns:adec="http://schemas.microsoft.com/office/drawing/2017/decorative" val="1"/>
-              </a:ext>
-            </a:extLst>
-          </p:cNvPr>
-          <p:cNvSpPr>
-            <a:spLocks noGrp="1" noRot="1" noChangeAspect="1" noMove="1" noResize="1" noEditPoints="1" noAdjustHandles="1" noChangeArrowheads="1" noChangeShapeType="1" noTextEdit="1"/>
-          </p:cNvSpPr>
-          <p:nvPr>
-            <p:extLst>
-              <p:ext uri="{386F3935-93C4-4BCD-93E2-E3B085C9AB24}">
-                <p16:designElem xmlns:p16="http://schemas.microsoft.com/office/powerpoint/2015/main" val="1"/>
-              </p:ext>
-            </p:extLst>
-          </p:nvPr>
-        </p:nvSpPr>
-        <p:spPr>
-          <a:xfrm>
-            <a:off x="0" y="0"/>
-            <a:ext cx="9144000" cy="5143500"/>
-          </a:xfrm>
-          <a:prstGeom prst="rect">
-            <a:avLst/>
-          </a:prstGeom>
-          <a:ln>
-            <a:noFill/>
-          </a:ln>
-        </p:spPr>
-        <p:style>
-          <a:lnRef idx="2">
-            <a:schemeClr val="accent1">
-              <a:shade val="50000"/>
-            </a:schemeClr>
-          </a:lnRef>
-          <a:fillRef idx="1">
-            <a:schemeClr val="accent1"/>
-          </a:fillRef>
-          <a:effectRef idx="0">
-            <a:schemeClr val="accent1"/>
-          </a:effectRef>
-          <a:fontRef idx="minor">
-            <a:schemeClr val="lt1"/>
-          </a:fontRef>
-        </p:style>
-        <p:txBody>
-          <a:bodyPr rtlCol="0" anchor="ctr"/>
-          <a:lstStyle/>
-          <a:p>
-            <a:pPr algn="ctr"/>
-            <a:endParaRPr lang="en-US"/>
-          </a:p>
-        </p:txBody>
-      </p:sp>
-      <p:pic>
-        <p:nvPicPr>
-          <p:cNvPr id="5" name="Picture 4">
-            <a:extLst>
-              <a:ext uri="{FF2B5EF4-FFF2-40B4-BE49-F238E27FC236}">
-                <a16:creationId xmlns:a16="http://schemas.microsoft.com/office/drawing/2014/main" id="{3402D683-25A4-CCAC-4EF3-31300AED4871}"/>
-              </a:ext>
-            </a:extLst>
-          </p:cNvPr>
-          <p:cNvPicPr>
-            <a:picLocks noChangeAspect="1"/>
-          </p:cNvPicPr>
-          <p:nvPr/>
-        </p:nvPicPr>
-        <p:blipFill>
-          <a:blip r:embed="rId2">
-            <a:grayscl/>
-          </a:blip>
-          <a:srcRect t="1040" b="14691"/>
-          <a:stretch>
-            <a:fillRect/>
-          </a:stretch>
-        </p:blipFill>
-        <p:spPr>
-          <a:xfrm>
-            <a:off x="20" y="10"/>
-            <a:ext cx="9143980" cy="5143490"/>
-          </a:xfrm>
-          <a:prstGeom prst="rect">
-            <a:avLst/>
-          </a:prstGeom>
-        </p:spPr>
-      </p:pic>
-      <p:grpSp>
-        <p:nvGrpSpPr>
-          <p:cNvPr id="11" name="Group 10">
-            <a:extLst>
-              <a:ext uri="{FF2B5EF4-FFF2-40B4-BE49-F238E27FC236}">
-                <a16:creationId xmlns:a16="http://schemas.microsoft.com/office/drawing/2014/main" id="{1654C7F9-AF92-42BD-A713-6B020F63B307}"/>
-              </a:ext>
-              <a:ext uri="{C183D7F6-B498-43B3-948B-1728B52AA6E4}">
-                <adec:decorative xmlns:adec="http://schemas.microsoft.com/office/drawing/2017/decorative" val="1"/>
-              </a:ext>
-            </a:extLst>
-          </p:cNvPr>
-          <p:cNvGrpSpPr>
-            <a:grpSpLocks noGrp="1" noUngrp="1" noRot="1" noChangeAspect="1" noMove="1" noResize="1"/>
-          </p:cNvGrpSpPr>
-          <p:nvPr>
-            <p:extLst>
-              <p:ext uri="{386F3935-93C4-4BCD-93E2-E3B085C9AB24}">
-                <p16:designElem xmlns:p16="http://schemas.microsoft.com/office/powerpoint/2015/main" val="1"/>
-              </p:ext>
-            </p:extLst>
-          </p:nvPr>
-        </p:nvGrpSpPr>
-        <p:grpSpPr>
-          <a:xfrm>
-            <a:off x="328551" y="342900"/>
-            <a:ext cx="2777491" cy="4451349"/>
-            <a:chOff x="438068" y="457200"/>
-            <a:chExt cx="3703320" cy="5935132"/>
-          </a:xfrm>
-        </p:grpSpPr>
-        <p:sp>
-          <p:nvSpPr>
-            <p:cNvPr id="18" name="Rectangle 11">
-              <a:extLst>
-                <a:ext uri="{FF2B5EF4-FFF2-40B4-BE49-F238E27FC236}">
-                  <a16:creationId xmlns:a16="http://schemas.microsoft.com/office/drawing/2014/main" id="{D4E3B121-1133-4B7A-BF30-80EF7C9F06D3}"/>
-                </a:ext>
-                <a:ext uri="{C183D7F6-B498-43B3-948B-1728B52AA6E4}">
-                  <adec:decorative xmlns:adec="http://schemas.microsoft.com/office/drawing/2017/decorative" val="1"/>
-                </a:ext>
-              </a:extLst>
-            </p:cNvPr>
-            <p:cNvSpPr/>
-            <p:nvPr>
-              <p:extLst>
-                <p:ext uri="{386F3935-93C4-4BCD-93E2-E3B085C9AB24}">
-                  <p16:designElem xmlns:p16="http://schemas.microsoft.com/office/powerpoint/2015/main" val="1"/>
-                </p:ext>
-              </p:extLst>
-            </p:nvPr>
-          </p:nvSpPr>
-          <p:spPr>
-            <a:xfrm>
-              <a:off x="438068" y="618067"/>
-              <a:ext cx="3702134" cy="5774265"/>
-            </a:xfrm>
-            <a:prstGeom prst="rect">
-              <a:avLst/>
-            </a:prstGeom>
-            <a:solidFill>
-              <a:schemeClr val="accent1">
-                <a:alpha val="97000"/>
-              </a:schemeClr>
-            </a:solidFill>
-            <a:ln w="6350" cmpd="sng">
-              <a:noFill/>
-            </a:ln>
-            <a:effectLst/>
-          </p:spPr>
-          <p:style>
-            <a:lnRef idx="1">
-              <a:schemeClr val="accent1"/>
-            </a:lnRef>
-            <a:fillRef idx="3">
-              <a:schemeClr val="accent1"/>
-            </a:fillRef>
-            <a:effectRef idx="2">
-              <a:schemeClr val="accent1"/>
-            </a:effectRef>
-            <a:fontRef idx="minor">
-              <a:schemeClr val="lt1"/>
-            </a:fontRef>
-          </p:style>
-          <p:txBody>
-            <a:bodyPr/>
-            <a:lstStyle/>
-            <a:p>
-              <a:endParaRPr lang="es-MX"/>
-            </a:p>
-          </p:txBody>
-        </p:sp>
-        <p:sp>
-          <p:nvSpPr>
-            <p:cNvPr id="13" name="Rectangle 12">
-              <a:extLst>
-                <a:ext uri="{FF2B5EF4-FFF2-40B4-BE49-F238E27FC236}">
-                  <a16:creationId xmlns:a16="http://schemas.microsoft.com/office/drawing/2014/main" id="{8C0F23FC-3B0D-4C62-B729-C43F56DC11B0}"/>
-                </a:ext>
-                <a:ext uri="{C183D7F6-B498-43B3-948B-1728B52AA6E4}">
-                  <adec:decorative xmlns:adec="http://schemas.microsoft.com/office/drawing/2017/decorative" val="1"/>
-                </a:ext>
-              </a:extLst>
-            </p:cNvPr>
-            <p:cNvSpPr/>
-            <p:nvPr>
-              <p:extLst>
-                <p:ext uri="{386F3935-93C4-4BCD-93E2-E3B085C9AB24}">
-                  <p16:designElem xmlns:p16="http://schemas.microsoft.com/office/powerpoint/2015/main" val="1"/>
-                </p:ext>
-              </p:extLst>
-            </p:nvPr>
-          </p:nvSpPr>
-          <p:spPr>
-            <a:xfrm>
-              <a:off x="438068" y="457200"/>
-              <a:ext cx="3703320" cy="94997"/>
-            </a:xfrm>
-            <a:prstGeom prst="rect">
-              <a:avLst/>
-            </a:prstGeom>
-            <a:solidFill>
-              <a:schemeClr val="accent1"/>
-            </a:solidFill>
-            <a:ln>
-              <a:noFill/>
-            </a:ln>
-            <a:effectLst/>
-          </p:spPr>
-          <p:style>
-            <a:lnRef idx="1">
-              <a:schemeClr val="accent1"/>
-            </a:lnRef>
-            <a:fillRef idx="3">
-              <a:schemeClr val="accent1"/>
-            </a:fillRef>
-            <a:effectRef idx="2">
-              <a:schemeClr val="accent1"/>
-            </a:effectRef>
-            <a:fontRef idx="minor">
-              <a:schemeClr val="lt1"/>
-            </a:fontRef>
-          </p:style>
-          <p:txBody>
-            <a:bodyPr/>
-            <a:lstStyle/>
-            <a:p>
-              <a:endParaRPr lang="es-MX"/>
-            </a:p>
-          </p:txBody>
-        </p:sp>
-      </p:grpSp>
       <p:sp>
         <p:nvSpPr>
           <p:cNvPr id="2" name="Title 1"/>
@@ -4135,67 +3916,19 @@
             <a:spLocks noGrp="1"/>
           </p:cNvSpPr>
           <p:nvPr>
-            <p:ph type="ctrTitle"/>
-          </p:nvPr>
-        </p:nvSpPr>
-        <p:spPr>
-          <a:xfrm>
-            <a:off x="438150" y="1606550"/>
-            <a:ext cx="2559050" cy="2228851"/>
-          </a:xfrm>
-        </p:spPr>
-        <p:txBody>
-          <a:bodyPr>
-            <a:normAutofit/>
-          </a:bodyPr>
+            <p:ph type="title"/>
+          </p:nvPr>
+        </p:nvSpPr>
+        <p:spPr/>
+        <p:txBody>
+          <a:bodyPr/>
           <a:lstStyle/>
           <a:p>
             <a:pPr marL="0" lvl="0" indent="0">
               <a:buNone/>
             </a:pPr>
             <a:r>
-              <a:rPr lang="es-MX">
-                <a:solidFill>
-                  <a:srgbClr val="FFFFFF"/>
-                </a:solidFill>
-              </a:rPr>
               <a:t>Elegant Purple</a:t>
-            </a:r>
-          </a:p>
-        </p:txBody>
-      </p:sp>
-      <p:sp>
-        <p:nvSpPr>
-          <p:cNvPr id="3" name="Subtitle 2"/>
-          <p:cNvSpPr>
-            <a:spLocks noGrp="1"/>
-          </p:cNvSpPr>
-          <p:nvPr>
-            <p:ph type="subTitle" idx="1"/>
-          </p:nvPr>
-        </p:nvSpPr>
-        <p:spPr>
-          <a:xfrm>
-            <a:off x="438150" y="3859134"/>
-            <a:ext cx="2559050" cy="554115"/>
-          </a:xfrm>
-        </p:spPr>
-        <p:txBody>
-          <a:bodyPr>
-            <a:normAutofit/>
-          </a:bodyPr>
-          <a:lstStyle/>
-          <a:p>
-            <a:pPr marL="0" lvl="0" indent="0">
-              <a:buNone/>
-            </a:pPr>
-            <a:r>
-              <a:rPr lang="es-MX">
-                <a:solidFill>
-                  <a:srgbClr val="EBEBEB"/>
-                </a:solidFill>
-              </a:rPr>
-              <a:t>Diseño elegante</a:t>
             </a:r>
           </a:p>
         </p:txBody>
@@ -4244,7 +3977,42 @@
               <a:buNone/>
             </a:pPr>
             <a:r>
-              <a:t>Elegant Purple</a:t>
+              <a:rPr lang="es-MX"/>
+              <a:t>Estilo</a:t>
+            </a:r>
+          </a:p>
+        </p:txBody>
+      </p:sp>
+      <p:sp>
+        <p:nvSpPr>
+          <p:cNvPr id="3" name="Content Placeholder 2"/>
+          <p:cNvSpPr>
+            <a:spLocks noGrp="1"/>
+          </p:cNvSpPr>
+          <p:nvPr>
+            <p:ph idx="1"/>
+          </p:nvPr>
+        </p:nvSpPr>
+        <p:spPr/>
+        <p:txBody>
+          <a:bodyPr/>
+          <a:lstStyle/>
+          <a:p>
+            <a:pPr lvl="0"/>
+            <a:r>
+              <a:t>Colores sofisticados</a:t>
+            </a:r>
+          </a:p>
+          <a:p>
+            <a:pPr lvl="0"/>
+            <a:r>
+              <a:t>Diseño moderno</a:t>
+            </a:r>
+          </a:p>
+          <a:p>
+            <a:pPr lvl="0"/>
+            <a:r>
+              <a:t>Presentaciones creativas</a:t>
             </a:r>
           </a:p>
         </p:txBody>
@@ -4258,90 +4026,6 @@
 </file>
 
 <file path=ppt/slides/slide3.xml><?xml version="1.0" encoding="utf-8"?>
-<p:sld xmlns:a="http://schemas.openxmlformats.org/drawingml/2006/main" xmlns:r="http://schemas.openxmlformats.org/officeDocument/2006/relationships" xmlns:p="http://schemas.openxmlformats.org/presentationml/2006/main">
-  <p:cSld>
-    <p:spTree>
-      <p:nvGrpSpPr>
-        <p:cNvPr id="1" name=""/>
-        <p:cNvGrpSpPr/>
-        <p:nvPr/>
-      </p:nvGrpSpPr>
-      <p:grpSpPr>
-        <a:xfrm>
-          <a:off x="0" y="0"/>
-          <a:ext cx="0" cy="0"/>
-          <a:chOff x="0" y="0"/>
-          <a:chExt cx="0" cy="0"/>
-        </a:xfrm>
-      </p:grpSpPr>
-      <p:sp>
-        <p:nvSpPr>
-          <p:cNvPr id="2" name="Title 1"/>
-          <p:cNvSpPr>
-            <a:spLocks noGrp="1"/>
-          </p:cNvSpPr>
-          <p:nvPr>
-            <p:ph type="title"/>
-          </p:nvPr>
-        </p:nvSpPr>
-        <p:spPr/>
-        <p:txBody>
-          <a:bodyPr/>
-          <a:lstStyle/>
-          <a:p>
-            <a:pPr marL="0" lvl="0" indent="0">
-              <a:buNone/>
-            </a:pPr>
-            <a:r>
-              <a:rPr lang="es-MX"/>
-              <a:t>Estilo</a:t>
-            </a:r>
-          </a:p>
-        </p:txBody>
-      </p:sp>
-      <p:sp>
-        <p:nvSpPr>
-          <p:cNvPr id="3" name="Content Placeholder 2"/>
-          <p:cNvSpPr>
-            <a:spLocks noGrp="1"/>
-          </p:cNvSpPr>
-          <p:nvPr>
-            <p:ph idx="1"/>
-          </p:nvPr>
-        </p:nvSpPr>
-        <p:spPr/>
-        <p:txBody>
-          <a:bodyPr/>
-          <a:lstStyle/>
-          <a:p>
-            <a:pPr lvl="0"/>
-            <a:r>
-              <a:t>Colores sofisticados</a:t>
-            </a:r>
-          </a:p>
-          <a:p>
-            <a:pPr lvl="0"/>
-            <a:r>
-              <a:t>Diseño moderno</a:t>
-            </a:r>
-          </a:p>
-          <a:p>
-            <a:pPr lvl="0"/>
-            <a:r>
-              <a:t>Presentaciones creativas</a:t>
-            </a:r>
-          </a:p>
-        </p:txBody>
-      </p:sp>
-    </p:spTree>
-  </p:cSld>
-  <p:clrMapOvr>
-    <a:masterClrMapping/>
-  </p:clrMapOvr>
-</p:sld>
-</file>
-
-<file path=ppt/slides/slide4.xml><?xml version="1.0" encoding="utf-8"?>
 <p:sld xmlns:a="http://schemas.openxmlformats.org/drawingml/2006/main" xmlns:r="http://schemas.openxmlformats.org/officeDocument/2006/relationships" xmlns:p="http://schemas.openxmlformats.org/presentationml/2006/main">
   <p:cSld>
     <p:spTree>
@@ -4465,80 +4149,16 @@
         <a:srgbClr val="8C8C8C"/>
       </a:folHlink>
     </a:clrScheme>
-    <a:fontScheme name="Dividendo">
+    <a:fontScheme name="Personalizado 1">
       <a:majorFont>
-        <a:latin typeface="Gill Sans MT" panose="020B0502020104020203"/>
+        <a:latin typeface="Gill Sans MT"/>
         <a:ea typeface=""/>
         <a:cs typeface=""/>
-        <a:font script="Grek" typeface="Corbel"/>
-        <a:font script="Cyrl" typeface="Corbel"/>
-        <a:font script="Jpan" typeface="HGｺﾞｼｯｸE"/>
-        <a:font script="Hang" typeface="휴먼매직체"/>
-        <a:font script="Hans" typeface="华文中宋"/>
-        <a:font script="Hant" typeface="微軟正黑體"/>
-        <a:font script="Arab" typeface="Majalla UI"/>
-        <a:font script="Hebr" typeface="Arial"/>
-        <a:font script="Thai" typeface="Cordia New"/>
-        <a:font script="Ethi" typeface="Nyala"/>
-        <a:font script="Beng" typeface="Vrinda"/>
-        <a:font script="Gujr" typeface="Shruti"/>
-        <a:font script="Khmr" typeface="DaunPenh"/>
-        <a:font script="Knda" typeface="Tunga"/>
-        <a:font script="Guru" typeface="Raavi"/>
-        <a:font script="Cans" typeface="Euphemia"/>
-        <a:font script="Cher" typeface="Plantagenet Cherokee"/>
-        <a:font script="Yiii" typeface="Microsoft Yi Baiti"/>
-        <a:font script="Tibt" typeface="Microsoft Himalaya"/>
-        <a:font script="Thaa" typeface="MV Boli"/>
-        <a:font script="Deva" typeface="Mangal"/>
-        <a:font script="Telu" typeface="Gautami"/>
-        <a:font script="Taml" typeface="Latha"/>
-        <a:font script="Syrc" typeface="Estrangelo Edessa"/>
-        <a:font script="Orya" typeface="Kalinga"/>
-        <a:font script="Mlym" typeface="Kartika"/>
-        <a:font script="Laoo" typeface="DokChampa"/>
-        <a:font script="Sinh" typeface="Iskoola Pota"/>
-        <a:font script="Mong" typeface="Mongolian Baiti"/>
-        <a:font script="Viet" typeface="Tahoma"/>
-        <a:font script="Uigh" typeface="Microsoft Uighur"/>
-        <a:font script="Geor" typeface="Sylfaen"/>
       </a:majorFont>
       <a:minorFont>
-        <a:latin typeface="Gill Sans MT" panose="020B0502020104020203"/>
+        <a:latin typeface="Gill Sans MT"/>
         <a:ea typeface=""/>
         <a:cs typeface=""/>
-        <a:font script="Grek" typeface="Corbel"/>
-        <a:font script="Cyrl" typeface="Corbel"/>
-        <a:font script="Jpan" typeface="HGｺﾞｼｯｸE"/>
-        <a:font script="Hang" typeface="휴먼매직체"/>
-        <a:font script="Hans" typeface="华文中宋"/>
-        <a:font script="Hant" typeface="微軟正黑體"/>
-        <a:font script="Arab" typeface="Majalla UI"/>
-        <a:font script="Hebr" typeface="Arial"/>
-        <a:font script="Thai" typeface="Cordia New"/>
-        <a:font script="Ethi" typeface="Nyala"/>
-        <a:font script="Beng" typeface="Vrinda"/>
-        <a:font script="Gujr" typeface="Shruti"/>
-        <a:font script="Khmr" typeface="DaunPenh"/>
-        <a:font script="Knda" typeface="Tunga"/>
-        <a:font script="Guru" typeface="Raavi"/>
-        <a:font script="Cans" typeface="Euphemia"/>
-        <a:font script="Cher" typeface="Plantagenet Cherokee"/>
-        <a:font script="Yiii" typeface="Microsoft Yi Baiti"/>
-        <a:font script="Tibt" typeface="Microsoft Himalaya"/>
-        <a:font script="Thaa" typeface="MV Boli"/>
-        <a:font script="Deva" typeface="Mangal"/>
-        <a:font script="Telu" typeface="Gautami"/>
-        <a:font script="Taml" typeface="Latha"/>
-        <a:font script="Syrc" typeface="Estrangelo Edessa"/>
-        <a:font script="Orya" typeface="Kalinga"/>
-        <a:font script="Mlym" typeface="Kartika"/>
-        <a:font script="Laoo" typeface="DokChampa"/>
-        <a:font script="Sinh" typeface="Iskoola Pota"/>
-        <a:font script="Mong" typeface="Mongolian Baiti"/>
-        <a:font script="Viet" typeface="Tahoma"/>
-        <a:font script="Uigh" typeface="Microsoft Uighur"/>
-        <a:font script="Geor" typeface="Sylfaen"/>
       </a:minorFont>
     </a:fontScheme>
     <a:fmtScheme name="Dividendo">
